--- a/ppt 16-9/1461.主！我今背十.pptx
+++ b/ppt 16-9/1461.主！我今背十.pptx
@@ -129,7 +129,7 @@
           <p:cNvPr id="2" name="标题 1">
             <a:extLst>
               <a:ext uri="{FF2B5EF4-FFF2-40B4-BE49-F238E27FC236}">
-                <a16:creationId xmlns:a16="http://schemas.microsoft.com/office/drawing/2014/main" id="{DB70E140-88F4-0488-EFFB-0809577F3C2F}"/>
+                <a16:creationId xmlns:a16="http://schemas.microsoft.com/office/drawing/2014/main" id="{8E002947-6A57-913F-9842-2ABDAA5706F4}"/>
               </a:ext>
             </a:extLst>
           </p:cNvPr>
@@ -166,7 +166,7 @@
           <p:cNvPr id="3" name="副标题 2">
             <a:extLst>
               <a:ext uri="{FF2B5EF4-FFF2-40B4-BE49-F238E27FC236}">
-                <a16:creationId xmlns:a16="http://schemas.microsoft.com/office/drawing/2014/main" id="{BC565D8C-3B47-5703-C069-4C6E38D7E00C}"/>
+                <a16:creationId xmlns:a16="http://schemas.microsoft.com/office/drawing/2014/main" id="{E2EF1DAE-CD1E-AECB-9BF3-5E096D57F7DC}"/>
               </a:ext>
             </a:extLst>
           </p:cNvPr>
@@ -236,7 +236,7 @@
           <p:cNvPr id="4" name="日期占位符 3">
             <a:extLst>
               <a:ext uri="{FF2B5EF4-FFF2-40B4-BE49-F238E27FC236}">
-                <a16:creationId xmlns:a16="http://schemas.microsoft.com/office/drawing/2014/main" id="{9F804830-BC1E-F9F1-4214-D2529CF60D3E}"/>
+                <a16:creationId xmlns:a16="http://schemas.microsoft.com/office/drawing/2014/main" id="{AE9CD365-2C2D-BFF7-C406-C026620798B5}"/>
               </a:ext>
             </a:extLst>
           </p:cNvPr>
@@ -252,7 +252,7 @@
           <a:bodyPr/>
           <a:lstStyle/>
           <a:p>
-            <a:fld id="{580DB843-2D3C-4AAE-B435-5B8A67308B9A}" type="datetimeFigureOut">
+            <a:fld id="{D8CF9B30-7D37-4123-9CF9-B74C0D3E5717}" type="datetimeFigureOut">
               <a:rPr lang="zh-CN" altLang="en-US" smtClean="0"/>
               <a:t>2024/3/10</a:t>
             </a:fld>
@@ -265,7 +265,7 @@
           <p:cNvPr id="5" name="页脚占位符 4">
             <a:extLst>
               <a:ext uri="{FF2B5EF4-FFF2-40B4-BE49-F238E27FC236}">
-                <a16:creationId xmlns:a16="http://schemas.microsoft.com/office/drawing/2014/main" id="{98A3E040-E7BE-69CB-75B7-1C49A1F7A781}"/>
+                <a16:creationId xmlns:a16="http://schemas.microsoft.com/office/drawing/2014/main" id="{C679DDB1-112B-236F-5BB9-1B22D7C68211}"/>
               </a:ext>
             </a:extLst>
           </p:cNvPr>
@@ -290,7 +290,7 @@
           <p:cNvPr id="6" name="灯片编号占位符 5">
             <a:extLst>
               <a:ext uri="{FF2B5EF4-FFF2-40B4-BE49-F238E27FC236}">
-                <a16:creationId xmlns:a16="http://schemas.microsoft.com/office/drawing/2014/main" id="{665FFE57-41F1-57F2-852F-DABE55BBC364}"/>
+                <a16:creationId xmlns:a16="http://schemas.microsoft.com/office/drawing/2014/main" id="{36E6CF2C-9A10-0FAB-CBAB-A5C08C1DAAFC}"/>
               </a:ext>
             </a:extLst>
           </p:cNvPr>
@@ -306,7 +306,7 @@
           <a:bodyPr/>
           <a:lstStyle/>
           <a:p>
-            <a:fld id="{7E5392D7-2A92-46D4-A1C9-F198A2E06453}" type="slidenum">
+            <a:fld id="{9023056A-04DA-4A71-921E-E20062A82C52}" type="slidenum">
               <a:rPr lang="zh-CN" altLang="en-US" smtClean="0"/>
               <a:t>‹#›</a:t>
             </a:fld>
@@ -317,7 +317,7 @@
     </p:spTree>
     <p:extLst>
       <p:ext uri="{BB962C8B-B14F-4D97-AF65-F5344CB8AC3E}">
-        <p14:creationId xmlns:p14="http://schemas.microsoft.com/office/powerpoint/2010/main" val="1167082892"/>
+        <p14:creationId xmlns:p14="http://schemas.microsoft.com/office/powerpoint/2010/main" val="973280812"/>
       </p:ext>
     </p:extLst>
   </p:cSld>
@@ -349,7 +349,7 @@
           <p:cNvPr id="2" name="标题 1">
             <a:extLst>
               <a:ext uri="{FF2B5EF4-FFF2-40B4-BE49-F238E27FC236}">
-                <a16:creationId xmlns:a16="http://schemas.microsoft.com/office/drawing/2014/main" id="{CDB06238-D57F-9030-B785-0D9FEC1C6031}"/>
+                <a16:creationId xmlns:a16="http://schemas.microsoft.com/office/drawing/2014/main" id="{D40076A7-0EB7-AE9E-0D45-E4B3A26BD938}"/>
               </a:ext>
             </a:extLst>
           </p:cNvPr>
@@ -377,7 +377,7 @@
           <p:cNvPr id="3" name="竖排文字占位符 2">
             <a:extLst>
               <a:ext uri="{FF2B5EF4-FFF2-40B4-BE49-F238E27FC236}">
-                <a16:creationId xmlns:a16="http://schemas.microsoft.com/office/drawing/2014/main" id="{6EAD987F-E01F-334A-73D4-331273F1654A}"/>
+                <a16:creationId xmlns:a16="http://schemas.microsoft.com/office/drawing/2014/main" id="{64F0D0F5-64DB-57D3-DE54-49C52C040B88}"/>
               </a:ext>
             </a:extLst>
           </p:cNvPr>
@@ -434,7 +434,7 @@
           <p:cNvPr id="4" name="日期占位符 3">
             <a:extLst>
               <a:ext uri="{FF2B5EF4-FFF2-40B4-BE49-F238E27FC236}">
-                <a16:creationId xmlns:a16="http://schemas.microsoft.com/office/drawing/2014/main" id="{A29854AA-D7F0-B319-BC7C-0D5BE6740418}"/>
+                <a16:creationId xmlns:a16="http://schemas.microsoft.com/office/drawing/2014/main" id="{BC0745C0-8D85-D117-57EB-2410E50B27E9}"/>
               </a:ext>
             </a:extLst>
           </p:cNvPr>
@@ -450,7 +450,7 @@
           <a:bodyPr/>
           <a:lstStyle/>
           <a:p>
-            <a:fld id="{580DB843-2D3C-4AAE-B435-5B8A67308B9A}" type="datetimeFigureOut">
+            <a:fld id="{D8CF9B30-7D37-4123-9CF9-B74C0D3E5717}" type="datetimeFigureOut">
               <a:rPr lang="zh-CN" altLang="en-US" smtClean="0"/>
               <a:t>2024/3/10</a:t>
             </a:fld>
@@ -463,7 +463,7 @@
           <p:cNvPr id="5" name="页脚占位符 4">
             <a:extLst>
               <a:ext uri="{FF2B5EF4-FFF2-40B4-BE49-F238E27FC236}">
-                <a16:creationId xmlns:a16="http://schemas.microsoft.com/office/drawing/2014/main" id="{98117EA2-1029-9314-7CDF-AA8D1F23DD4D}"/>
+                <a16:creationId xmlns:a16="http://schemas.microsoft.com/office/drawing/2014/main" id="{47999502-7E4B-41C2-DB39-BE8FCE256FD5}"/>
               </a:ext>
             </a:extLst>
           </p:cNvPr>
@@ -488,7 +488,7 @@
           <p:cNvPr id="6" name="灯片编号占位符 5">
             <a:extLst>
               <a:ext uri="{FF2B5EF4-FFF2-40B4-BE49-F238E27FC236}">
-                <a16:creationId xmlns:a16="http://schemas.microsoft.com/office/drawing/2014/main" id="{B96B0E34-2065-2A18-E5F3-310A10EDF601}"/>
+                <a16:creationId xmlns:a16="http://schemas.microsoft.com/office/drawing/2014/main" id="{E07C9C7F-CE1D-6F24-5DB0-7212E55A6C26}"/>
               </a:ext>
             </a:extLst>
           </p:cNvPr>
@@ -504,7 +504,7 @@
           <a:bodyPr/>
           <a:lstStyle/>
           <a:p>
-            <a:fld id="{7E5392D7-2A92-46D4-A1C9-F198A2E06453}" type="slidenum">
+            <a:fld id="{9023056A-04DA-4A71-921E-E20062A82C52}" type="slidenum">
               <a:rPr lang="zh-CN" altLang="en-US" smtClean="0"/>
               <a:t>‹#›</a:t>
             </a:fld>
@@ -515,7 +515,7 @@
     </p:spTree>
     <p:extLst>
       <p:ext uri="{BB962C8B-B14F-4D97-AF65-F5344CB8AC3E}">
-        <p14:creationId xmlns:p14="http://schemas.microsoft.com/office/powerpoint/2010/main" val="2355397290"/>
+        <p14:creationId xmlns:p14="http://schemas.microsoft.com/office/powerpoint/2010/main" val="3053035313"/>
       </p:ext>
     </p:extLst>
   </p:cSld>
@@ -547,7 +547,7 @@
           <p:cNvPr id="2" name="竖排标题 1">
             <a:extLst>
               <a:ext uri="{FF2B5EF4-FFF2-40B4-BE49-F238E27FC236}">
-                <a16:creationId xmlns:a16="http://schemas.microsoft.com/office/drawing/2014/main" id="{0561532B-462A-6F35-7197-6A9976089DAB}"/>
+                <a16:creationId xmlns:a16="http://schemas.microsoft.com/office/drawing/2014/main" id="{917A87E2-EDAB-2791-46E4-F8762EE36C52}"/>
               </a:ext>
             </a:extLst>
           </p:cNvPr>
@@ -580,7 +580,7 @@
           <p:cNvPr id="3" name="竖排文字占位符 2">
             <a:extLst>
               <a:ext uri="{FF2B5EF4-FFF2-40B4-BE49-F238E27FC236}">
-                <a16:creationId xmlns:a16="http://schemas.microsoft.com/office/drawing/2014/main" id="{1581FE43-1399-C4CF-3E6F-0AC8E25180DA}"/>
+                <a16:creationId xmlns:a16="http://schemas.microsoft.com/office/drawing/2014/main" id="{296EB454-135D-2ACB-BA31-3A2CF8881DCA}"/>
               </a:ext>
             </a:extLst>
           </p:cNvPr>
@@ -642,7 +642,7 @@
           <p:cNvPr id="4" name="日期占位符 3">
             <a:extLst>
               <a:ext uri="{FF2B5EF4-FFF2-40B4-BE49-F238E27FC236}">
-                <a16:creationId xmlns:a16="http://schemas.microsoft.com/office/drawing/2014/main" id="{7549DC62-DA98-E421-85C7-47DAEFEA10C0}"/>
+                <a16:creationId xmlns:a16="http://schemas.microsoft.com/office/drawing/2014/main" id="{8F662A1C-7BBA-C5B6-4FA9-9B044C79DF70}"/>
               </a:ext>
             </a:extLst>
           </p:cNvPr>
@@ -658,7 +658,7 @@
           <a:bodyPr/>
           <a:lstStyle/>
           <a:p>
-            <a:fld id="{580DB843-2D3C-4AAE-B435-5B8A67308B9A}" type="datetimeFigureOut">
+            <a:fld id="{D8CF9B30-7D37-4123-9CF9-B74C0D3E5717}" type="datetimeFigureOut">
               <a:rPr lang="zh-CN" altLang="en-US" smtClean="0"/>
               <a:t>2024/3/10</a:t>
             </a:fld>
@@ -671,7 +671,7 @@
           <p:cNvPr id="5" name="页脚占位符 4">
             <a:extLst>
               <a:ext uri="{FF2B5EF4-FFF2-40B4-BE49-F238E27FC236}">
-                <a16:creationId xmlns:a16="http://schemas.microsoft.com/office/drawing/2014/main" id="{4E4F6238-2138-95FD-A393-AE11AE62A960}"/>
+                <a16:creationId xmlns:a16="http://schemas.microsoft.com/office/drawing/2014/main" id="{EF9D0D05-8E32-65A1-817A-3FE9291E7643}"/>
               </a:ext>
             </a:extLst>
           </p:cNvPr>
@@ -696,7 +696,7 @@
           <p:cNvPr id="6" name="灯片编号占位符 5">
             <a:extLst>
               <a:ext uri="{FF2B5EF4-FFF2-40B4-BE49-F238E27FC236}">
-                <a16:creationId xmlns:a16="http://schemas.microsoft.com/office/drawing/2014/main" id="{1894AABC-40C9-39DC-D505-9C48372068A6}"/>
+                <a16:creationId xmlns:a16="http://schemas.microsoft.com/office/drawing/2014/main" id="{E5827B25-06D8-12B3-C38F-8E3CBDCFA2DA}"/>
               </a:ext>
             </a:extLst>
           </p:cNvPr>
@@ -712,7 +712,7 @@
           <a:bodyPr/>
           <a:lstStyle/>
           <a:p>
-            <a:fld id="{7E5392D7-2A92-46D4-A1C9-F198A2E06453}" type="slidenum">
+            <a:fld id="{9023056A-04DA-4A71-921E-E20062A82C52}" type="slidenum">
               <a:rPr lang="zh-CN" altLang="en-US" smtClean="0"/>
               <a:t>‹#›</a:t>
             </a:fld>
@@ -723,7 +723,7 @@
     </p:spTree>
     <p:extLst>
       <p:ext uri="{BB962C8B-B14F-4D97-AF65-F5344CB8AC3E}">
-        <p14:creationId xmlns:p14="http://schemas.microsoft.com/office/powerpoint/2010/main" val="3762660498"/>
+        <p14:creationId xmlns:p14="http://schemas.microsoft.com/office/powerpoint/2010/main" val="2256259181"/>
       </p:ext>
     </p:extLst>
   </p:cSld>
@@ -755,7 +755,7 @@
           <p:cNvPr id="2" name="标题 1">
             <a:extLst>
               <a:ext uri="{FF2B5EF4-FFF2-40B4-BE49-F238E27FC236}">
-                <a16:creationId xmlns:a16="http://schemas.microsoft.com/office/drawing/2014/main" id="{6BFB571B-1D11-5858-FC17-8691BDC755E7}"/>
+                <a16:creationId xmlns:a16="http://schemas.microsoft.com/office/drawing/2014/main" id="{F8C34DA7-599D-B276-33A1-7DDF7FBA24EE}"/>
               </a:ext>
             </a:extLst>
           </p:cNvPr>
@@ -783,7 +783,7 @@
           <p:cNvPr id="3" name="内容占位符 2">
             <a:extLst>
               <a:ext uri="{FF2B5EF4-FFF2-40B4-BE49-F238E27FC236}">
-                <a16:creationId xmlns:a16="http://schemas.microsoft.com/office/drawing/2014/main" id="{82CA5E11-C982-8C25-3D69-A4046ACB7BF8}"/>
+                <a16:creationId xmlns:a16="http://schemas.microsoft.com/office/drawing/2014/main" id="{8D6BBFC0-70D1-F6CE-01BB-18D6FC0F9431}"/>
               </a:ext>
             </a:extLst>
           </p:cNvPr>
@@ -840,7 +840,7 @@
           <p:cNvPr id="4" name="日期占位符 3">
             <a:extLst>
               <a:ext uri="{FF2B5EF4-FFF2-40B4-BE49-F238E27FC236}">
-                <a16:creationId xmlns:a16="http://schemas.microsoft.com/office/drawing/2014/main" id="{44149CA4-E815-2780-564F-6E9F9B3C9704}"/>
+                <a16:creationId xmlns:a16="http://schemas.microsoft.com/office/drawing/2014/main" id="{AE085410-30D8-AE1E-E7ED-DD7533F80B17}"/>
               </a:ext>
             </a:extLst>
           </p:cNvPr>
@@ -856,7 +856,7 @@
           <a:bodyPr/>
           <a:lstStyle/>
           <a:p>
-            <a:fld id="{580DB843-2D3C-4AAE-B435-5B8A67308B9A}" type="datetimeFigureOut">
+            <a:fld id="{D8CF9B30-7D37-4123-9CF9-B74C0D3E5717}" type="datetimeFigureOut">
               <a:rPr lang="zh-CN" altLang="en-US" smtClean="0"/>
               <a:t>2024/3/10</a:t>
             </a:fld>
@@ -869,7 +869,7 @@
           <p:cNvPr id="5" name="页脚占位符 4">
             <a:extLst>
               <a:ext uri="{FF2B5EF4-FFF2-40B4-BE49-F238E27FC236}">
-                <a16:creationId xmlns:a16="http://schemas.microsoft.com/office/drawing/2014/main" id="{3174BF76-FC32-8AEC-D912-830970CD03BE}"/>
+                <a16:creationId xmlns:a16="http://schemas.microsoft.com/office/drawing/2014/main" id="{5079DEC8-45F8-8927-10F2-682BD953F3CC}"/>
               </a:ext>
             </a:extLst>
           </p:cNvPr>
@@ -894,7 +894,7 @@
           <p:cNvPr id="6" name="灯片编号占位符 5">
             <a:extLst>
               <a:ext uri="{FF2B5EF4-FFF2-40B4-BE49-F238E27FC236}">
-                <a16:creationId xmlns:a16="http://schemas.microsoft.com/office/drawing/2014/main" id="{F8260F1F-1A9B-94D4-1930-20F6C384A04E}"/>
+                <a16:creationId xmlns:a16="http://schemas.microsoft.com/office/drawing/2014/main" id="{CCBC66EB-9BE0-358D-7588-EFAC66160792}"/>
               </a:ext>
             </a:extLst>
           </p:cNvPr>
@@ -910,7 +910,7 @@
           <a:bodyPr/>
           <a:lstStyle/>
           <a:p>
-            <a:fld id="{7E5392D7-2A92-46D4-A1C9-F198A2E06453}" type="slidenum">
+            <a:fld id="{9023056A-04DA-4A71-921E-E20062A82C52}" type="slidenum">
               <a:rPr lang="zh-CN" altLang="en-US" smtClean="0"/>
               <a:t>‹#›</a:t>
             </a:fld>
@@ -921,7 +921,7 @@
     </p:spTree>
     <p:extLst>
       <p:ext uri="{BB962C8B-B14F-4D97-AF65-F5344CB8AC3E}">
-        <p14:creationId xmlns:p14="http://schemas.microsoft.com/office/powerpoint/2010/main" val="1481029230"/>
+        <p14:creationId xmlns:p14="http://schemas.microsoft.com/office/powerpoint/2010/main" val="1025683064"/>
       </p:ext>
     </p:extLst>
   </p:cSld>
@@ -953,7 +953,7 @@
           <p:cNvPr id="2" name="标题 1">
             <a:extLst>
               <a:ext uri="{FF2B5EF4-FFF2-40B4-BE49-F238E27FC236}">
-                <a16:creationId xmlns:a16="http://schemas.microsoft.com/office/drawing/2014/main" id="{01CC0387-F4A5-2909-6064-353D90AE486E}"/>
+                <a16:creationId xmlns:a16="http://schemas.microsoft.com/office/drawing/2014/main" id="{1511C86F-6A2A-E39F-F979-ADB28C4F9BF6}"/>
               </a:ext>
             </a:extLst>
           </p:cNvPr>
@@ -990,7 +990,7 @@
           <p:cNvPr id="3" name="文本占位符 2">
             <a:extLst>
               <a:ext uri="{FF2B5EF4-FFF2-40B4-BE49-F238E27FC236}">
-                <a16:creationId xmlns:a16="http://schemas.microsoft.com/office/drawing/2014/main" id="{E3A757BB-4C6B-055E-8B9B-5CC799A94738}"/>
+                <a16:creationId xmlns:a16="http://schemas.microsoft.com/office/drawing/2014/main" id="{E86B5AAD-509D-9E59-4C80-FE82642AC232}"/>
               </a:ext>
             </a:extLst>
           </p:cNvPr>
@@ -1115,7 +1115,7 @@
           <p:cNvPr id="4" name="日期占位符 3">
             <a:extLst>
               <a:ext uri="{FF2B5EF4-FFF2-40B4-BE49-F238E27FC236}">
-                <a16:creationId xmlns:a16="http://schemas.microsoft.com/office/drawing/2014/main" id="{44D44B2A-1D54-6A0F-F22A-210CCA136FBC}"/>
+                <a16:creationId xmlns:a16="http://schemas.microsoft.com/office/drawing/2014/main" id="{E723DB8B-987C-6D15-3D30-2B658534B20D}"/>
               </a:ext>
             </a:extLst>
           </p:cNvPr>
@@ -1131,7 +1131,7 @@
           <a:bodyPr/>
           <a:lstStyle/>
           <a:p>
-            <a:fld id="{580DB843-2D3C-4AAE-B435-5B8A67308B9A}" type="datetimeFigureOut">
+            <a:fld id="{D8CF9B30-7D37-4123-9CF9-B74C0D3E5717}" type="datetimeFigureOut">
               <a:rPr lang="zh-CN" altLang="en-US" smtClean="0"/>
               <a:t>2024/3/10</a:t>
             </a:fld>
@@ -1144,7 +1144,7 @@
           <p:cNvPr id="5" name="页脚占位符 4">
             <a:extLst>
               <a:ext uri="{FF2B5EF4-FFF2-40B4-BE49-F238E27FC236}">
-                <a16:creationId xmlns:a16="http://schemas.microsoft.com/office/drawing/2014/main" id="{3B4592D7-76EB-B3A8-38DC-CB0C70D93A7C}"/>
+                <a16:creationId xmlns:a16="http://schemas.microsoft.com/office/drawing/2014/main" id="{3B0809AD-A060-0277-C89D-653E8B8F9FE9}"/>
               </a:ext>
             </a:extLst>
           </p:cNvPr>
@@ -1169,7 +1169,7 @@
           <p:cNvPr id="6" name="灯片编号占位符 5">
             <a:extLst>
               <a:ext uri="{FF2B5EF4-FFF2-40B4-BE49-F238E27FC236}">
-                <a16:creationId xmlns:a16="http://schemas.microsoft.com/office/drawing/2014/main" id="{EDA51144-7D85-A352-7827-20EC1945F3E7}"/>
+                <a16:creationId xmlns:a16="http://schemas.microsoft.com/office/drawing/2014/main" id="{2F930488-05FB-48EE-4F6F-297573754A53}"/>
               </a:ext>
             </a:extLst>
           </p:cNvPr>
@@ -1185,7 +1185,7 @@
           <a:bodyPr/>
           <a:lstStyle/>
           <a:p>
-            <a:fld id="{7E5392D7-2A92-46D4-A1C9-F198A2E06453}" type="slidenum">
+            <a:fld id="{9023056A-04DA-4A71-921E-E20062A82C52}" type="slidenum">
               <a:rPr lang="zh-CN" altLang="en-US" smtClean="0"/>
               <a:t>‹#›</a:t>
             </a:fld>
@@ -1196,7 +1196,7 @@
     </p:spTree>
     <p:extLst>
       <p:ext uri="{BB962C8B-B14F-4D97-AF65-F5344CB8AC3E}">
-        <p14:creationId xmlns:p14="http://schemas.microsoft.com/office/powerpoint/2010/main" val="4071669575"/>
+        <p14:creationId xmlns:p14="http://schemas.microsoft.com/office/powerpoint/2010/main" val="2208397318"/>
       </p:ext>
     </p:extLst>
   </p:cSld>
@@ -1228,7 +1228,7 @@
           <p:cNvPr id="2" name="标题 1">
             <a:extLst>
               <a:ext uri="{FF2B5EF4-FFF2-40B4-BE49-F238E27FC236}">
-                <a16:creationId xmlns:a16="http://schemas.microsoft.com/office/drawing/2014/main" id="{3C63F180-A109-3097-D012-D6AD49F5E5F5}"/>
+                <a16:creationId xmlns:a16="http://schemas.microsoft.com/office/drawing/2014/main" id="{D95A0C75-F9F6-86D5-AA7E-78D06FF6715E}"/>
               </a:ext>
             </a:extLst>
           </p:cNvPr>
@@ -1256,7 +1256,7 @@
           <p:cNvPr id="3" name="内容占位符 2">
             <a:extLst>
               <a:ext uri="{FF2B5EF4-FFF2-40B4-BE49-F238E27FC236}">
-                <a16:creationId xmlns:a16="http://schemas.microsoft.com/office/drawing/2014/main" id="{C006E111-5C6F-4D4D-2A6D-F332D40A11FF}"/>
+                <a16:creationId xmlns:a16="http://schemas.microsoft.com/office/drawing/2014/main" id="{9A850B6F-2605-90C6-93E0-D8F2715A7720}"/>
               </a:ext>
             </a:extLst>
           </p:cNvPr>
@@ -1318,7 +1318,7 @@
           <p:cNvPr id="4" name="内容占位符 3">
             <a:extLst>
               <a:ext uri="{FF2B5EF4-FFF2-40B4-BE49-F238E27FC236}">
-                <a16:creationId xmlns:a16="http://schemas.microsoft.com/office/drawing/2014/main" id="{7B8C7FFA-92AD-BE22-3122-717042E3757C}"/>
+                <a16:creationId xmlns:a16="http://schemas.microsoft.com/office/drawing/2014/main" id="{80DE7198-1ED5-53E6-578C-F5F6B7DE69FF}"/>
               </a:ext>
             </a:extLst>
           </p:cNvPr>
@@ -1380,7 +1380,7 @@
           <p:cNvPr id="5" name="日期占位符 4">
             <a:extLst>
               <a:ext uri="{FF2B5EF4-FFF2-40B4-BE49-F238E27FC236}">
-                <a16:creationId xmlns:a16="http://schemas.microsoft.com/office/drawing/2014/main" id="{1E964200-2992-65A9-33BF-7F7B1A20D2AB}"/>
+                <a16:creationId xmlns:a16="http://schemas.microsoft.com/office/drawing/2014/main" id="{7D9E0674-D626-CB68-7B2D-3CB394C231E2}"/>
               </a:ext>
             </a:extLst>
           </p:cNvPr>
@@ -1396,7 +1396,7 @@
           <a:bodyPr/>
           <a:lstStyle/>
           <a:p>
-            <a:fld id="{580DB843-2D3C-4AAE-B435-5B8A67308B9A}" type="datetimeFigureOut">
+            <a:fld id="{D8CF9B30-7D37-4123-9CF9-B74C0D3E5717}" type="datetimeFigureOut">
               <a:rPr lang="zh-CN" altLang="en-US" smtClean="0"/>
               <a:t>2024/3/10</a:t>
             </a:fld>
@@ -1409,7 +1409,7 @@
           <p:cNvPr id="6" name="页脚占位符 5">
             <a:extLst>
               <a:ext uri="{FF2B5EF4-FFF2-40B4-BE49-F238E27FC236}">
-                <a16:creationId xmlns:a16="http://schemas.microsoft.com/office/drawing/2014/main" id="{F8DAE8D1-4EC4-D47D-03F0-3F76F3CDBA7D}"/>
+                <a16:creationId xmlns:a16="http://schemas.microsoft.com/office/drawing/2014/main" id="{B4ADD4DE-BA98-F5D6-BD77-7D8BC2F0E5FA}"/>
               </a:ext>
             </a:extLst>
           </p:cNvPr>
@@ -1434,7 +1434,7 @@
           <p:cNvPr id="7" name="灯片编号占位符 6">
             <a:extLst>
               <a:ext uri="{FF2B5EF4-FFF2-40B4-BE49-F238E27FC236}">
-                <a16:creationId xmlns:a16="http://schemas.microsoft.com/office/drawing/2014/main" id="{6FF0E500-05FC-FB22-B075-068B3DF6F828}"/>
+                <a16:creationId xmlns:a16="http://schemas.microsoft.com/office/drawing/2014/main" id="{102A02D4-8BDE-EB3F-C94C-F0B60FD2C424}"/>
               </a:ext>
             </a:extLst>
           </p:cNvPr>
@@ -1450,7 +1450,7 @@
           <a:bodyPr/>
           <a:lstStyle/>
           <a:p>
-            <a:fld id="{7E5392D7-2A92-46D4-A1C9-F198A2E06453}" type="slidenum">
+            <a:fld id="{9023056A-04DA-4A71-921E-E20062A82C52}" type="slidenum">
               <a:rPr lang="zh-CN" altLang="en-US" smtClean="0"/>
               <a:t>‹#›</a:t>
             </a:fld>
@@ -1461,7 +1461,7 @@
     </p:spTree>
     <p:extLst>
       <p:ext uri="{BB962C8B-B14F-4D97-AF65-F5344CB8AC3E}">
-        <p14:creationId xmlns:p14="http://schemas.microsoft.com/office/powerpoint/2010/main" val="1290060320"/>
+        <p14:creationId xmlns:p14="http://schemas.microsoft.com/office/powerpoint/2010/main" val="3752181634"/>
       </p:ext>
     </p:extLst>
   </p:cSld>
@@ -1493,7 +1493,7 @@
           <p:cNvPr id="2" name="标题 1">
             <a:extLst>
               <a:ext uri="{FF2B5EF4-FFF2-40B4-BE49-F238E27FC236}">
-                <a16:creationId xmlns:a16="http://schemas.microsoft.com/office/drawing/2014/main" id="{30C2AE34-B979-4D19-AF11-F17054D00D70}"/>
+                <a16:creationId xmlns:a16="http://schemas.microsoft.com/office/drawing/2014/main" id="{E5E0EA88-E3EF-C3AC-1759-AA8209EF3D48}"/>
               </a:ext>
             </a:extLst>
           </p:cNvPr>
@@ -1526,7 +1526,7 @@
           <p:cNvPr id="3" name="文本占位符 2">
             <a:extLst>
               <a:ext uri="{FF2B5EF4-FFF2-40B4-BE49-F238E27FC236}">
-                <a16:creationId xmlns:a16="http://schemas.microsoft.com/office/drawing/2014/main" id="{33941D43-CA2A-D41F-9280-0B55A65CEC70}"/>
+                <a16:creationId xmlns:a16="http://schemas.microsoft.com/office/drawing/2014/main" id="{996DC48C-DDA5-B415-2066-A2464474CD99}"/>
               </a:ext>
             </a:extLst>
           </p:cNvPr>
@@ -1597,7 +1597,7 @@
           <p:cNvPr id="4" name="内容占位符 3">
             <a:extLst>
               <a:ext uri="{FF2B5EF4-FFF2-40B4-BE49-F238E27FC236}">
-                <a16:creationId xmlns:a16="http://schemas.microsoft.com/office/drawing/2014/main" id="{D8C6B93C-52C7-3E8E-881D-32E9124F403C}"/>
+                <a16:creationId xmlns:a16="http://schemas.microsoft.com/office/drawing/2014/main" id="{E1E2B468-1CBB-7015-2B55-143F6C4B8131}"/>
               </a:ext>
             </a:extLst>
           </p:cNvPr>
@@ -1659,7 +1659,7 @@
           <p:cNvPr id="5" name="文本占位符 4">
             <a:extLst>
               <a:ext uri="{FF2B5EF4-FFF2-40B4-BE49-F238E27FC236}">
-                <a16:creationId xmlns:a16="http://schemas.microsoft.com/office/drawing/2014/main" id="{7D61251D-D4D1-3879-774A-BFC9CD148DCF}"/>
+                <a16:creationId xmlns:a16="http://schemas.microsoft.com/office/drawing/2014/main" id="{20691489-9717-DBBB-6EAC-813363709D92}"/>
               </a:ext>
             </a:extLst>
           </p:cNvPr>
@@ -1730,7 +1730,7 @@
           <p:cNvPr id="6" name="内容占位符 5">
             <a:extLst>
               <a:ext uri="{FF2B5EF4-FFF2-40B4-BE49-F238E27FC236}">
-                <a16:creationId xmlns:a16="http://schemas.microsoft.com/office/drawing/2014/main" id="{E88493C4-D9CF-187D-B8F6-EB85C3DFCDE3}"/>
+                <a16:creationId xmlns:a16="http://schemas.microsoft.com/office/drawing/2014/main" id="{62D83922-7128-5F0D-BB04-C78A5CC7D376}"/>
               </a:ext>
             </a:extLst>
           </p:cNvPr>
@@ -1792,7 +1792,7 @@
           <p:cNvPr id="7" name="日期占位符 6">
             <a:extLst>
               <a:ext uri="{FF2B5EF4-FFF2-40B4-BE49-F238E27FC236}">
-                <a16:creationId xmlns:a16="http://schemas.microsoft.com/office/drawing/2014/main" id="{FA0E64DB-ABA8-26BA-D9D4-5BA6BCA99394}"/>
+                <a16:creationId xmlns:a16="http://schemas.microsoft.com/office/drawing/2014/main" id="{798D47C2-E45E-13AB-C16B-810FA664292C}"/>
               </a:ext>
             </a:extLst>
           </p:cNvPr>
@@ -1808,7 +1808,7 @@
           <a:bodyPr/>
           <a:lstStyle/>
           <a:p>
-            <a:fld id="{580DB843-2D3C-4AAE-B435-5B8A67308B9A}" type="datetimeFigureOut">
+            <a:fld id="{D8CF9B30-7D37-4123-9CF9-B74C0D3E5717}" type="datetimeFigureOut">
               <a:rPr lang="zh-CN" altLang="en-US" smtClean="0"/>
               <a:t>2024/3/10</a:t>
             </a:fld>
@@ -1821,7 +1821,7 @@
           <p:cNvPr id="8" name="页脚占位符 7">
             <a:extLst>
               <a:ext uri="{FF2B5EF4-FFF2-40B4-BE49-F238E27FC236}">
-                <a16:creationId xmlns:a16="http://schemas.microsoft.com/office/drawing/2014/main" id="{CFF83E1E-F162-0043-5525-31FD25F1635C}"/>
+                <a16:creationId xmlns:a16="http://schemas.microsoft.com/office/drawing/2014/main" id="{0F02C0C7-2634-3C0C-B2BB-3C26862D6832}"/>
               </a:ext>
             </a:extLst>
           </p:cNvPr>
@@ -1846,7 +1846,7 @@
           <p:cNvPr id="9" name="灯片编号占位符 8">
             <a:extLst>
               <a:ext uri="{FF2B5EF4-FFF2-40B4-BE49-F238E27FC236}">
-                <a16:creationId xmlns:a16="http://schemas.microsoft.com/office/drawing/2014/main" id="{179CFFB6-1B30-33B8-54D5-74ED54E76E7E}"/>
+                <a16:creationId xmlns:a16="http://schemas.microsoft.com/office/drawing/2014/main" id="{A9FEDDDF-FE50-4F54-AE3B-976D7C29151D}"/>
               </a:ext>
             </a:extLst>
           </p:cNvPr>
@@ -1862,7 +1862,7 @@
           <a:bodyPr/>
           <a:lstStyle/>
           <a:p>
-            <a:fld id="{7E5392D7-2A92-46D4-A1C9-F198A2E06453}" type="slidenum">
+            <a:fld id="{9023056A-04DA-4A71-921E-E20062A82C52}" type="slidenum">
               <a:rPr lang="zh-CN" altLang="en-US" smtClean="0"/>
               <a:t>‹#›</a:t>
             </a:fld>
@@ -1873,7 +1873,7 @@
     </p:spTree>
     <p:extLst>
       <p:ext uri="{BB962C8B-B14F-4D97-AF65-F5344CB8AC3E}">
-        <p14:creationId xmlns:p14="http://schemas.microsoft.com/office/powerpoint/2010/main" val="1516691362"/>
+        <p14:creationId xmlns:p14="http://schemas.microsoft.com/office/powerpoint/2010/main" val="1705236247"/>
       </p:ext>
     </p:extLst>
   </p:cSld>
@@ -1905,7 +1905,7 @@
           <p:cNvPr id="2" name="标题 1">
             <a:extLst>
               <a:ext uri="{FF2B5EF4-FFF2-40B4-BE49-F238E27FC236}">
-                <a16:creationId xmlns:a16="http://schemas.microsoft.com/office/drawing/2014/main" id="{30602EA7-F0BA-FF31-9532-E5F971A503BE}"/>
+                <a16:creationId xmlns:a16="http://schemas.microsoft.com/office/drawing/2014/main" id="{FD892D6F-3580-6624-B9CB-96245EEB99DA}"/>
               </a:ext>
             </a:extLst>
           </p:cNvPr>
@@ -1933,7 +1933,7 @@
           <p:cNvPr id="3" name="日期占位符 2">
             <a:extLst>
               <a:ext uri="{FF2B5EF4-FFF2-40B4-BE49-F238E27FC236}">
-                <a16:creationId xmlns:a16="http://schemas.microsoft.com/office/drawing/2014/main" id="{ADD88E49-5425-E637-CC7F-1A2BB9278485}"/>
+                <a16:creationId xmlns:a16="http://schemas.microsoft.com/office/drawing/2014/main" id="{B9297077-AEF2-CA86-B2FA-4C4315C662B8}"/>
               </a:ext>
             </a:extLst>
           </p:cNvPr>
@@ -1949,7 +1949,7 @@
           <a:bodyPr/>
           <a:lstStyle/>
           <a:p>
-            <a:fld id="{580DB843-2D3C-4AAE-B435-5B8A67308B9A}" type="datetimeFigureOut">
+            <a:fld id="{D8CF9B30-7D37-4123-9CF9-B74C0D3E5717}" type="datetimeFigureOut">
               <a:rPr lang="zh-CN" altLang="en-US" smtClean="0"/>
               <a:t>2024/3/10</a:t>
             </a:fld>
@@ -1962,7 +1962,7 @@
           <p:cNvPr id="4" name="页脚占位符 3">
             <a:extLst>
               <a:ext uri="{FF2B5EF4-FFF2-40B4-BE49-F238E27FC236}">
-                <a16:creationId xmlns:a16="http://schemas.microsoft.com/office/drawing/2014/main" id="{A2635A7C-F429-18C4-20E9-5D8FB627C40D}"/>
+                <a16:creationId xmlns:a16="http://schemas.microsoft.com/office/drawing/2014/main" id="{3ADF0879-3DC8-FD6D-7B6E-6C76E0F15115}"/>
               </a:ext>
             </a:extLst>
           </p:cNvPr>
@@ -1987,7 +1987,7 @@
           <p:cNvPr id="5" name="灯片编号占位符 4">
             <a:extLst>
               <a:ext uri="{FF2B5EF4-FFF2-40B4-BE49-F238E27FC236}">
-                <a16:creationId xmlns:a16="http://schemas.microsoft.com/office/drawing/2014/main" id="{8B45B9C3-7594-5DFA-5C07-31527783ACFE}"/>
+                <a16:creationId xmlns:a16="http://schemas.microsoft.com/office/drawing/2014/main" id="{E081CEC8-90EF-DE84-78CC-D46FCD06673D}"/>
               </a:ext>
             </a:extLst>
           </p:cNvPr>
@@ -2003,7 +2003,7 @@
           <a:bodyPr/>
           <a:lstStyle/>
           <a:p>
-            <a:fld id="{7E5392D7-2A92-46D4-A1C9-F198A2E06453}" type="slidenum">
+            <a:fld id="{9023056A-04DA-4A71-921E-E20062A82C52}" type="slidenum">
               <a:rPr lang="zh-CN" altLang="en-US" smtClean="0"/>
               <a:t>‹#›</a:t>
             </a:fld>
@@ -2014,7 +2014,7 @@
     </p:spTree>
     <p:extLst>
       <p:ext uri="{BB962C8B-B14F-4D97-AF65-F5344CB8AC3E}">
-        <p14:creationId xmlns:p14="http://schemas.microsoft.com/office/powerpoint/2010/main" val="2559168950"/>
+        <p14:creationId xmlns:p14="http://schemas.microsoft.com/office/powerpoint/2010/main" val="438800337"/>
       </p:ext>
     </p:extLst>
   </p:cSld>
@@ -2046,7 +2046,7 @@
           <p:cNvPr id="2" name="日期占位符 1">
             <a:extLst>
               <a:ext uri="{FF2B5EF4-FFF2-40B4-BE49-F238E27FC236}">
-                <a16:creationId xmlns:a16="http://schemas.microsoft.com/office/drawing/2014/main" id="{DECB5AE2-B8F8-96E7-F2B0-C761E2A711BF}"/>
+                <a16:creationId xmlns:a16="http://schemas.microsoft.com/office/drawing/2014/main" id="{E634B25D-5BBC-1AF4-F5A5-2C833D36E562}"/>
               </a:ext>
             </a:extLst>
           </p:cNvPr>
@@ -2062,7 +2062,7 @@
           <a:bodyPr/>
           <a:lstStyle/>
           <a:p>
-            <a:fld id="{580DB843-2D3C-4AAE-B435-5B8A67308B9A}" type="datetimeFigureOut">
+            <a:fld id="{D8CF9B30-7D37-4123-9CF9-B74C0D3E5717}" type="datetimeFigureOut">
               <a:rPr lang="zh-CN" altLang="en-US" smtClean="0"/>
               <a:t>2024/3/10</a:t>
             </a:fld>
@@ -2075,7 +2075,7 @@
           <p:cNvPr id="3" name="页脚占位符 2">
             <a:extLst>
               <a:ext uri="{FF2B5EF4-FFF2-40B4-BE49-F238E27FC236}">
-                <a16:creationId xmlns:a16="http://schemas.microsoft.com/office/drawing/2014/main" id="{3E773F0A-50F3-94BA-7051-A6D9FC085BFD}"/>
+                <a16:creationId xmlns:a16="http://schemas.microsoft.com/office/drawing/2014/main" id="{F683E01E-614B-9FE5-AD0F-CB624D3F6750}"/>
               </a:ext>
             </a:extLst>
           </p:cNvPr>
@@ -2100,7 +2100,7 @@
           <p:cNvPr id="4" name="灯片编号占位符 3">
             <a:extLst>
               <a:ext uri="{FF2B5EF4-FFF2-40B4-BE49-F238E27FC236}">
-                <a16:creationId xmlns:a16="http://schemas.microsoft.com/office/drawing/2014/main" id="{FC803E00-3081-F586-ED06-8D5C717467D3}"/>
+                <a16:creationId xmlns:a16="http://schemas.microsoft.com/office/drawing/2014/main" id="{809C3B71-0752-B200-6F70-255EB7A87AD2}"/>
               </a:ext>
             </a:extLst>
           </p:cNvPr>
@@ -2116,7 +2116,7 @@
           <a:bodyPr/>
           <a:lstStyle/>
           <a:p>
-            <a:fld id="{7E5392D7-2A92-46D4-A1C9-F198A2E06453}" type="slidenum">
+            <a:fld id="{9023056A-04DA-4A71-921E-E20062A82C52}" type="slidenum">
               <a:rPr lang="zh-CN" altLang="en-US" smtClean="0"/>
               <a:t>‹#›</a:t>
             </a:fld>
@@ -2127,7 +2127,7 @@
     </p:spTree>
     <p:extLst>
       <p:ext uri="{BB962C8B-B14F-4D97-AF65-F5344CB8AC3E}">
-        <p14:creationId xmlns:p14="http://schemas.microsoft.com/office/powerpoint/2010/main" val="2852377678"/>
+        <p14:creationId xmlns:p14="http://schemas.microsoft.com/office/powerpoint/2010/main" val="3184729593"/>
       </p:ext>
     </p:extLst>
   </p:cSld>
@@ -2159,7 +2159,7 @@
           <p:cNvPr id="2" name="标题 1">
             <a:extLst>
               <a:ext uri="{FF2B5EF4-FFF2-40B4-BE49-F238E27FC236}">
-                <a16:creationId xmlns:a16="http://schemas.microsoft.com/office/drawing/2014/main" id="{D6197ED5-F099-248D-0BC4-5C220283AFE9}"/>
+                <a16:creationId xmlns:a16="http://schemas.microsoft.com/office/drawing/2014/main" id="{92CE1488-2CD7-D116-EADD-767964E0E184}"/>
               </a:ext>
             </a:extLst>
           </p:cNvPr>
@@ -2196,7 +2196,7 @@
           <p:cNvPr id="3" name="内容占位符 2">
             <a:extLst>
               <a:ext uri="{FF2B5EF4-FFF2-40B4-BE49-F238E27FC236}">
-                <a16:creationId xmlns:a16="http://schemas.microsoft.com/office/drawing/2014/main" id="{321EE1F3-D7E1-03E1-5ADA-6BBD8EF06C14}"/>
+                <a16:creationId xmlns:a16="http://schemas.microsoft.com/office/drawing/2014/main" id="{CDF17365-5E32-1A90-BC4A-63AEF90E4D04}"/>
               </a:ext>
             </a:extLst>
           </p:cNvPr>
@@ -2286,7 +2286,7 @@
           <p:cNvPr id="4" name="文本占位符 3">
             <a:extLst>
               <a:ext uri="{FF2B5EF4-FFF2-40B4-BE49-F238E27FC236}">
-                <a16:creationId xmlns:a16="http://schemas.microsoft.com/office/drawing/2014/main" id="{64F3AFA6-9394-8ED7-7FE8-E0871A538E58}"/>
+                <a16:creationId xmlns:a16="http://schemas.microsoft.com/office/drawing/2014/main" id="{F6FA7DBF-69A8-84D7-3927-EB036A6C5225}"/>
               </a:ext>
             </a:extLst>
           </p:cNvPr>
@@ -2357,7 +2357,7 @@
           <p:cNvPr id="5" name="日期占位符 4">
             <a:extLst>
               <a:ext uri="{FF2B5EF4-FFF2-40B4-BE49-F238E27FC236}">
-                <a16:creationId xmlns:a16="http://schemas.microsoft.com/office/drawing/2014/main" id="{A41463A8-3039-AC08-D647-F14ED358DDE4}"/>
+                <a16:creationId xmlns:a16="http://schemas.microsoft.com/office/drawing/2014/main" id="{461AA238-9F02-C8E2-FFBD-C83C6B3D178A}"/>
               </a:ext>
             </a:extLst>
           </p:cNvPr>
@@ -2373,7 +2373,7 @@
           <a:bodyPr/>
           <a:lstStyle/>
           <a:p>
-            <a:fld id="{580DB843-2D3C-4AAE-B435-5B8A67308B9A}" type="datetimeFigureOut">
+            <a:fld id="{D8CF9B30-7D37-4123-9CF9-B74C0D3E5717}" type="datetimeFigureOut">
               <a:rPr lang="zh-CN" altLang="en-US" smtClean="0"/>
               <a:t>2024/3/10</a:t>
             </a:fld>
@@ -2386,7 +2386,7 @@
           <p:cNvPr id="6" name="页脚占位符 5">
             <a:extLst>
               <a:ext uri="{FF2B5EF4-FFF2-40B4-BE49-F238E27FC236}">
-                <a16:creationId xmlns:a16="http://schemas.microsoft.com/office/drawing/2014/main" id="{DC0A981C-2ED2-D2FB-F942-E325960CF748}"/>
+                <a16:creationId xmlns:a16="http://schemas.microsoft.com/office/drawing/2014/main" id="{F6475690-CF73-401C-4E17-44599F2DCF84}"/>
               </a:ext>
             </a:extLst>
           </p:cNvPr>
@@ -2411,7 +2411,7 @@
           <p:cNvPr id="7" name="灯片编号占位符 6">
             <a:extLst>
               <a:ext uri="{FF2B5EF4-FFF2-40B4-BE49-F238E27FC236}">
-                <a16:creationId xmlns:a16="http://schemas.microsoft.com/office/drawing/2014/main" id="{2FC8FF01-F7E9-701D-C430-E21D0850AC16}"/>
+                <a16:creationId xmlns:a16="http://schemas.microsoft.com/office/drawing/2014/main" id="{0B65914E-9596-FC26-E2D8-71D4B3678F83}"/>
               </a:ext>
             </a:extLst>
           </p:cNvPr>
@@ -2427,7 +2427,7 @@
           <a:bodyPr/>
           <a:lstStyle/>
           <a:p>
-            <a:fld id="{7E5392D7-2A92-46D4-A1C9-F198A2E06453}" type="slidenum">
+            <a:fld id="{9023056A-04DA-4A71-921E-E20062A82C52}" type="slidenum">
               <a:rPr lang="zh-CN" altLang="en-US" smtClean="0"/>
               <a:t>‹#›</a:t>
             </a:fld>
@@ -2438,7 +2438,7 @@
     </p:spTree>
     <p:extLst>
       <p:ext uri="{BB962C8B-B14F-4D97-AF65-F5344CB8AC3E}">
-        <p14:creationId xmlns:p14="http://schemas.microsoft.com/office/powerpoint/2010/main" val="2073419715"/>
+        <p14:creationId xmlns:p14="http://schemas.microsoft.com/office/powerpoint/2010/main" val="4127843985"/>
       </p:ext>
     </p:extLst>
   </p:cSld>
@@ -2470,7 +2470,7 @@
           <p:cNvPr id="2" name="标题 1">
             <a:extLst>
               <a:ext uri="{FF2B5EF4-FFF2-40B4-BE49-F238E27FC236}">
-                <a16:creationId xmlns:a16="http://schemas.microsoft.com/office/drawing/2014/main" id="{4C34C9BF-CEF6-C363-B6D9-7ED8670D6A7C}"/>
+                <a16:creationId xmlns:a16="http://schemas.microsoft.com/office/drawing/2014/main" id="{0F1D680B-A861-33E0-C2AC-56020AFE08FF}"/>
               </a:ext>
             </a:extLst>
           </p:cNvPr>
@@ -2507,7 +2507,7 @@
           <p:cNvPr id="3" name="图片占位符 2">
             <a:extLst>
               <a:ext uri="{FF2B5EF4-FFF2-40B4-BE49-F238E27FC236}">
-                <a16:creationId xmlns:a16="http://schemas.microsoft.com/office/drawing/2014/main" id="{37A950B4-AD3B-6421-FA70-01B3B619B3F0}"/>
+                <a16:creationId xmlns:a16="http://schemas.microsoft.com/office/drawing/2014/main" id="{06944BBD-2E85-AE7B-83EE-7F85E81B01AC}"/>
               </a:ext>
             </a:extLst>
           </p:cNvPr>
@@ -2574,7 +2574,7 @@
           <p:cNvPr id="4" name="文本占位符 3">
             <a:extLst>
               <a:ext uri="{FF2B5EF4-FFF2-40B4-BE49-F238E27FC236}">
-                <a16:creationId xmlns:a16="http://schemas.microsoft.com/office/drawing/2014/main" id="{5202024E-8317-B89F-2CAC-C29CFF14657C}"/>
+                <a16:creationId xmlns:a16="http://schemas.microsoft.com/office/drawing/2014/main" id="{ED3915C3-F196-48EE-2012-13CA432836D1}"/>
               </a:ext>
             </a:extLst>
           </p:cNvPr>
@@ -2645,7 +2645,7 @@
           <p:cNvPr id="5" name="日期占位符 4">
             <a:extLst>
               <a:ext uri="{FF2B5EF4-FFF2-40B4-BE49-F238E27FC236}">
-                <a16:creationId xmlns:a16="http://schemas.microsoft.com/office/drawing/2014/main" id="{C691B53C-FB76-7D62-182C-C7CC7D480C75}"/>
+                <a16:creationId xmlns:a16="http://schemas.microsoft.com/office/drawing/2014/main" id="{55E9C56F-259A-BA8F-585E-832D869758BC}"/>
               </a:ext>
             </a:extLst>
           </p:cNvPr>
@@ -2661,7 +2661,7 @@
           <a:bodyPr/>
           <a:lstStyle/>
           <a:p>
-            <a:fld id="{580DB843-2D3C-4AAE-B435-5B8A67308B9A}" type="datetimeFigureOut">
+            <a:fld id="{D8CF9B30-7D37-4123-9CF9-B74C0D3E5717}" type="datetimeFigureOut">
               <a:rPr lang="zh-CN" altLang="en-US" smtClean="0"/>
               <a:t>2024/3/10</a:t>
             </a:fld>
@@ -2674,7 +2674,7 @@
           <p:cNvPr id="6" name="页脚占位符 5">
             <a:extLst>
               <a:ext uri="{FF2B5EF4-FFF2-40B4-BE49-F238E27FC236}">
-                <a16:creationId xmlns:a16="http://schemas.microsoft.com/office/drawing/2014/main" id="{C0265A99-AEC1-C4BD-1F31-2AC0E429D9B1}"/>
+                <a16:creationId xmlns:a16="http://schemas.microsoft.com/office/drawing/2014/main" id="{D73B560A-E6FE-2E9F-9186-4A6D3F38A07D}"/>
               </a:ext>
             </a:extLst>
           </p:cNvPr>
@@ -2699,7 +2699,7 @@
           <p:cNvPr id="7" name="灯片编号占位符 6">
             <a:extLst>
               <a:ext uri="{FF2B5EF4-FFF2-40B4-BE49-F238E27FC236}">
-                <a16:creationId xmlns:a16="http://schemas.microsoft.com/office/drawing/2014/main" id="{88AE51E6-3699-2A01-456D-75A9A25DE6A3}"/>
+                <a16:creationId xmlns:a16="http://schemas.microsoft.com/office/drawing/2014/main" id="{389AA0F3-9FA7-F362-E0E4-EC1F819586A3}"/>
               </a:ext>
             </a:extLst>
           </p:cNvPr>
@@ -2715,7 +2715,7 @@
           <a:bodyPr/>
           <a:lstStyle/>
           <a:p>
-            <a:fld id="{7E5392D7-2A92-46D4-A1C9-F198A2E06453}" type="slidenum">
+            <a:fld id="{9023056A-04DA-4A71-921E-E20062A82C52}" type="slidenum">
               <a:rPr lang="zh-CN" altLang="en-US" smtClean="0"/>
               <a:t>‹#›</a:t>
             </a:fld>
@@ -2726,7 +2726,7 @@
     </p:spTree>
     <p:extLst>
       <p:ext uri="{BB962C8B-B14F-4D97-AF65-F5344CB8AC3E}">
-        <p14:creationId xmlns:p14="http://schemas.microsoft.com/office/powerpoint/2010/main" val="125645317"/>
+        <p14:creationId xmlns:p14="http://schemas.microsoft.com/office/powerpoint/2010/main" val="3139420622"/>
       </p:ext>
     </p:extLst>
   </p:cSld>
@@ -2763,7 +2763,7 @@
           <p:cNvPr id="2" name="标题占位符 1">
             <a:extLst>
               <a:ext uri="{FF2B5EF4-FFF2-40B4-BE49-F238E27FC236}">
-                <a16:creationId xmlns:a16="http://schemas.microsoft.com/office/drawing/2014/main" id="{5F0171A6-8B92-4FEE-0F4D-F5CB565DD5F0}"/>
+                <a16:creationId xmlns:a16="http://schemas.microsoft.com/office/drawing/2014/main" id="{E46984F5-25F1-623A-4A9B-C38C81B1E120}"/>
               </a:ext>
             </a:extLst>
           </p:cNvPr>
@@ -2801,7 +2801,7 @@
           <p:cNvPr id="3" name="文本占位符 2">
             <a:extLst>
               <a:ext uri="{FF2B5EF4-FFF2-40B4-BE49-F238E27FC236}">
-                <a16:creationId xmlns:a16="http://schemas.microsoft.com/office/drawing/2014/main" id="{8DF582A0-5BEF-90E3-8488-BE1763DC3F69}"/>
+                <a16:creationId xmlns:a16="http://schemas.microsoft.com/office/drawing/2014/main" id="{EDA0EB6C-E3DB-69A3-8412-D24561B4F6FE}"/>
               </a:ext>
             </a:extLst>
           </p:cNvPr>
@@ -2868,7 +2868,7 @@
           <p:cNvPr id="4" name="日期占位符 3">
             <a:extLst>
               <a:ext uri="{FF2B5EF4-FFF2-40B4-BE49-F238E27FC236}">
-                <a16:creationId xmlns:a16="http://schemas.microsoft.com/office/drawing/2014/main" id="{0C1B93CD-E555-91E4-0CA2-66F35807C6CA}"/>
+                <a16:creationId xmlns:a16="http://schemas.microsoft.com/office/drawing/2014/main" id="{F986EBC6-C0D1-9C61-2DA4-87398437F26F}"/>
               </a:ext>
             </a:extLst>
           </p:cNvPr>
@@ -2902,7 +2902,7 @@
             </a:lvl1pPr>
           </a:lstStyle>
           <a:p>
-            <a:fld id="{580DB843-2D3C-4AAE-B435-5B8A67308B9A}" type="datetimeFigureOut">
+            <a:fld id="{D8CF9B30-7D37-4123-9CF9-B74C0D3E5717}" type="datetimeFigureOut">
               <a:rPr lang="zh-CN" altLang="en-US" smtClean="0"/>
               <a:t>2024/3/10</a:t>
             </a:fld>
@@ -2915,7 +2915,7 @@
           <p:cNvPr id="5" name="页脚占位符 4">
             <a:extLst>
               <a:ext uri="{FF2B5EF4-FFF2-40B4-BE49-F238E27FC236}">
-                <a16:creationId xmlns:a16="http://schemas.microsoft.com/office/drawing/2014/main" id="{0C878ED9-80EE-8361-96D6-114E7A934903}"/>
+                <a16:creationId xmlns:a16="http://schemas.microsoft.com/office/drawing/2014/main" id="{AC57F745-9578-4B9B-1448-B285C2E46AC7}"/>
               </a:ext>
             </a:extLst>
           </p:cNvPr>
@@ -2958,7 +2958,7 @@
           <p:cNvPr id="6" name="灯片编号占位符 5">
             <a:extLst>
               <a:ext uri="{FF2B5EF4-FFF2-40B4-BE49-F238E27FC236}">
-                <a16:creationId xmlns:a16="http://schemas.microsoft.com/office/drawing/2014/main" id="{091AC6F9-48D1-F554-FA2E-4E9B24DBE9EC}"/>
+                <a16:creationId xmlns:a16="http://schemas.microsoft.com/office/drawing/2014/main" id="{3DE1F6DB-DBE0-5C7C-FE3A-921C8725DF0C}"/>
               </a:ext>
             </a:extLst>
           </p:cNvPr>
@@ -2992,7 +2992,7 @@
             </a:lvl1pPr>
           </a:lstStyle>
           <a:p>
-            <a:fld id="{7E5392D7-2A92-46D4-A1C9-F198A2E06453}" type="slidenum">
+            <a:fld id="{9023056A-04DA-4A71-921E-E20062A82C52}" type="slidenum">
               <a:rPr lang="zh-CN" altLang="en-US" smtClean="0"/>
               <a:t>‹#›</a:t>
             </a:fld>
@@ -3003,7 +3003,7 @@
     </p:spTree>
     <p:extLst>
       <p:ext uri="{BB962C8B-B14F-4D97-AF65-F5344CB8AC3E}">
-        <p14:creationId xmlns:p14="http://schemas.microsoft.com/office/powerpoint/2010/main" val="1622802463"/>
+        <p14:creationId xmlns:p14="http://schemas.microsoft.com/office/powerpoint/2010/main" val="1212276325"/>
       </p:ext>
     </p:extLst>
   </p:cSld>
